--- a/기획문서/UDP_UI.pptx
+++ b/기획문서/UDP_UI.pptx
@@ -210,7 +210,7 @@
           <a:p>
             <a:fld id="{463E380A-3E96-49FD-9036-25F19E64F76D}" type="datetimeFigureOut">
               <a:rPr lang="ko-KR" altLang="en-US" smtClean="0"/>
-              <a:t>2024-12-09</a:t>
+              <a:t>2024-12-10</a:t>
             </a:fld>
             <a:endParaRPr lang="ko-KR" altLang="en-US"/>
           </a:p>
@@ -624,7 +624,7 @@
           <a:p>
             <a:fld id="{5C656C4B-BF64-4409-B812-C4E9ED0FEE4C}" type="datetimeFigureOut">
               <a:rPr lang="ko-KR" altLang="en-US" smtClean="0"/>
-              <a:t>2024-12-09</a:t>
+              <a:t>2024-12-10</a:t>
             </a:fld>
             <a:endParaRPr lang="ko-KR" altLang="en-US"/>
           </a:p>
@@ -822,7 +822,7 @@
           <a:p>
             <a:fld id="{5C656C4B-BF64-4409-B812-C4E9ED0FEE4C}" type="datetimeFigureOut">
               <a:rPr lang="ko-KR" altLang="en-US" smtClean="0"/>
-              <a:t>2024-12-09</a:t>
+              <a:t>2024-12-10</a:t>
             </a:fld>
             <a:endParaRPr lang="ko-KR" altLang="en-US"/>
           </a:p>
@@ -1030,7 +1030,7 @@
           <a:p>
             <a:fld id="{5C656C4B-BF64-4409-B812-C4E9ED0FEE4C}" type="datetimeFigureOut">
               <a:rPr lang="ko-KR" altLang="en-US" smtClean="0"/>
-              <a:t>2024-12-09</a:t>
+              <a:t>2024-12-10</a:t>
             </a:fld>
             <a:endParaRPr lang="ko-KR" altLang="en-US"/>
           </a:p>
@@ -1228,7 +1228,7 @@
           <a:p>
             <a:fld id="{5C656C4B-BF64-4409-B812-C4E9ED0FEE4C}" type="datetimeFigureOut">
               <a:rPr lang="ko-KR" altLang="en-US" smtClean="0"/>
-              <a:t>2024-12-09</a:t>
+              <a:t>2024-12-10</a:t>
             </a:fld>
             <a:endParaRPr lang="ko-KR" altLang="en-US"/>
           </a:p>
@@ -1503,7 +1503,7 @@
           <a:p>
             <a:fld id="{5C656C4B-BF64-4409-B812-C4E9ED0FEE4C}" type="datetimeFigureOut">
               <a:rPr lang="ko-KR" altLang="en-US" smtClean="0"/>
-              <a:t>2024-12-09</a:t>
+              <a:t>2024-12-10</a:t>
             </a:fld>
             <a:endParaRPr lang="ko-KR" altLang="en-US"/>
           </a:p>
@@ -1768,7 +1768,7 @@
           <a:p>
             <a:fld id="{5C656C4B-BF64-4409-B812-C4E9ED0FEE4C}" type="datetimeFigureOut">
               <a:rPr lang="ko-KR" altLang="en-US" smtClean="0"/>
-              <a:t>2024-12-09</a:t>
+              <a:t>2024-12-10</a:t>
             </a:fld>
             <a:endParaRPr lang="ko-KR" altLang="en-US"/>
           </a:p>
@@ -2180,7 +2180,7 @@
           <a:p>
             <a:fld id="{5C656C4B-BF64-4409-B812-C4E9ED0FEE4C}" type="datetimeFigureOut">
               <a:rPr lang="ko-KR" altLang="en-US" smtClean="0"/>
-              <a:t>2024-12-09</a:t>
+              <a:t>2024-12-10</a:t>
             </a:fld>
             <a:endParaRPr lang="ko-KR" altLang="en-US"/>
           </a:p>
@@ -2321,7 +2321,7 @@
           <a:p>
             <a:fld id="{5C656C4B-BF64-4409-B812-C4E9ED0FEE4C}" type="datetimeFigureOut">
               <a:rPr lang="ko-KR" altLang="en-US" smtClean="0"/>
-              <a:t>2024-12-09</a:t>
+              <a:t>2024-12-10</a:t>
             </a:fld>
             <a:endParaRPr lang="ko-KR" altLang="en-US"/>
           </a:p>
@@ -2434,7 +2434,7 @@
           <a:p>
             <a:fld id="{5C656C4B-BF64-4409-B812-C4E9ED0FEE4C}" type="datetimeFigureOut">
               <a:rPr lang="ko-KR" altLang="en-US" smtClean="0"/>
-              <a:t>2024-12-09</a:t>
+              <a:t>2024-12-10</a:t>
             </a:fld>
             <a:endParaRPr lang="ko-KR" altLang="en-US"/>
           </a:p>
@@ -2745,7 +2745,7 @@
           <a:p>
             <a:fld id="{5C656C4B-BF64-4409-B812-C4E9ED0FEE4C}" type="datetimeFigureOut">
               <a:rPr lang="ko-KR" altLang="en-US" smtClean="0"/>
-              <a:t>2024-12-09</a:t>
+              <a:t>2024-12-10</a:t>
             </a:fld>
             <a:endParaRPr lang="ko-KR" altLang="en-US"/>
           </a:p>
@@ -3033,7 +3033,7 @@
           <a:p>
             <a:fld id="{5C656C4B-BF64-4409-B812-C4E9ED0FEE4C}" type="datetimeFigureOut">
               <a:rPr lang="ko-KR" altLang="en-US" smtClean="0"/>
-              <a:t>2024-12-09</a:t>
+              <a:t>2024-12-10</a:t>
             </a:fld>
             <a:endParaRPr lang="ko-KR" altLang="en-US"/>
           </a:p>
@@ -3274,7 +3274,7 @@
           <a:p>
             <a:fld id="{5C656C4B-BF64-4409-B812-C4E9ED0FEE4C}" type="datetimeFigureOut">
               <a:rPr lang="ko-KR" altLang="en-US" smtClean="0"/>
-              <a:t>2024-12-09</a:t>
+              <a:t>2024-12-10</a:t>
             </a:fld>
             <a:endParaRPr lang="ko-KR" altLang="en-US"/>
           </a:p>
@@ -4355,6 +4355,11 @@
                 <a:lumMod val="90000"/>
               </a:schemeClr>
             </a:solidFill>
+            <a:ln w="63500">
+              <a:solidFill>
+                <a:srgbClr val="92D050"/>
+              </a:solidFill>
+            </a:ln>
           </p:spPr>
           <p:style>
             <a:lnRef idx="2">
@@ -6237,6 +6242,238 @@
           </a:p>
         </p:txBody>
       </p:sp>
+      <p:sp>
+        <p:nvSpPr>
+          <p:cNvPr id="2" name="TextBox 1">
+            <a:extLst>
+              <a:ext uri="{FF2B5EF4-FFF2-40B4-BE49-F238E27FC236}">
+                <a16:creationId xmlns:a16="http://schemas.microsoft.com/office/drawing/2014/main" id="{E15F28FE-8308-0554-A5A4-81E8F8E13E60}"/>
+              </a:ext>
+            </a:extLst>
+          </p:cNvPr>
+          <p:cNvSpPr txBox="1"/>
+          <p:nvPr/>
+        </p:nvSpPr>
+        <p:spPr>
+          <a:xfrm>
+            <a:off x="3658168" y="6192934"/>
+            <a:ext cx="562013" cy="323165"/>
+          </a:xfrm>
+          <a:prstGeom prst="rect">
+            <a:avLst/>
+          </a:prstGeom>
+          <a:noFill/>
+        </p:spPr>
+        <p:txBody>
+          <a:bodyPr wrap="none" rtlCol="0">
+            <a:spAutoFit/>
+          </a:bodyPr>
+          <a:lstStyle/>
+          <a:p>
+            <a:r>
+              <a:rPr lang="en-US" altLang="ko-KR" sz="1500" dirty="0"/>
+              <a:t>Lv. 1</a:t>
+            </a:r>
+            <a:endParaRPr lang="ko-KR" altLang="en-US" sz="1500" dirty="0"/>
+          </a:p>
+        </p:txBody>
+      </p:sp>
+      <p:sp>
+        <p:nvSpPr>
+          <p:cNvPr id="3" name="TextBox 2">
+            <a:extLst>
+              <a:ext uri="{FF2B5EF4-FFF2-40B4-BE49-F238E27FC236}">
+                <a16:creationId xmlns:a16="http://schemas.microsoft.com/office/drawing/2014/main" id="{96FD4D84-52D3-5D7C-ABED-460CD5F42E58}"/>
+              </a:ext>
+            </a:extLst>
+          </p:cNvPr>
+          <p:cNvSpPr txBox="1"/>
+          <p:nvPr/>
+        </p:nvSpPr>
+        <p:spPr>
+          <a:xfrm>
+            <a:off x="4562889" y="6192933"/>
+            <a:ext cx="562013" cy="323165"/>
+          </a:xfrm>
+          <a:prstGeom prst="rect">
+            <a:avLst/>
+          </a:prstGeom>
+          <a:noFill/>
+        </p:spPr>
+        <p:txBody>
+          <a:bodyPr wrap="none" rtlCol="0">
+            <a:spAutoFit/>
+          </a:bodyPr>
+          <a:lstStyle/>
+          <a:p>
+            <a:r>
+              <a:rPr lang="en-US" altLang="ko-KR" sz="1500" dirty="0"/>
+              <a:t>Lv. 2</a:t>
+            </a:r>
+            <a:endParaRPr lang="ko-KR" altLang="en-US" sz="1500" dirty="0"/>
+          </a:p>
+        </p:txBody>
+      </p:sp>
+      <p:sp>
+        <p:nvSpPr>
+          <p:cNvPr id="4" name="TextBox 3">
+            <a:extLst>
+              <a:ext uri="{FF2B5EF4-FFF2-40B4-BE49-F238E27FC236}">
+                <a16:creationId xmlns:a16="http://schemas.microsoft.com/office/drawing/2014/main" id="{633BED0F-23EC-7194-F65C-5F1EAF002E43}"/>
+              </a:ext>
+            </a:extLst>
+          </p:cNvPr>
+          <p:cNvSpPr txBox="1"/>
+          <p:nvPr/>
+        </p:nvSpPr>
+        <p:spPr>
+          <a:xfrm>
+            <a:off x="5503185" y="6201932"/>
+            <a:ext cx="562013" cy="323165"/>
+          </a:xfrm>
+          <a:prstGeom prst="rect">
+            <a:avLst/>
+          </a:prstGeom>
+          <a:noFill/>
+        </p:spPr>
+        <p:txBody>
+          <a:bodyPr wrap="none" rtlCol="0">
+            <a:spAutoFit/>
+          </a:bodyPr>
+          <a:lstStyle/>
+          <a:p>
+            <a:r>
+              <a:rPr lang="en-US" altLang="ko-KR" sz="1500" dirty="0"/>
+              <a:t>Lv. 3</a:t>
+            </a:r>
+            <a:endParaRPr lang="ko-KR" altLang="en-US" sz="1500" dirty="0"/>
+          </a:p>
+        </p:txBody>
+      </p:sp>
+      <p:sp>
+        <p:nvSpPr>
+          <p:cNvPr id="5" name="TextBox 4">
+            <a:extLst>
+              <a:ext uri="{FF2B5EF4-FFF2-40B4-BE49-F238E27FC236}">
+                <a16:creationId xmlns:a16="http://schemas.microsoft.com/office/drawing/2014/main" id="{E191440B-C9CC-5C76-A352-6D98533AA7A9}"/>
+              </a:ext>
+            </a:extLst>
+          </p:cNvPr>
+          <p:cNvSpPr txBox="1"/>
+          <p:nvPr/>
+        </p:nvSpPr>
+        <p:spPr>
+          <a:xfrm>
+            <a:off x="6435494" y="6201932"/>
+            <a:ext cx="562013" cy="323165"/>
+          </a:xfrm>
+          <a:prstGeom prst="rect">
+            <a:avLst/>
+          </a:prstGeom>
+          <a:noFill/>
+        </p:spPr>
+        <p:txBody>
+          <a:bodyPr wrap="none" rtlCol="0">
+            <a:spAutoFit/>
+          </a:bodyPr>
+          <a:lstStyle/>
+          <a:p>
+            <a:r>
+              <a:rPr lang="en-US" altLang="ko-KR" sz="1500" dirty="0"/>
+              <a:t>Lv. 4</a:t>
+            </a:r>
+            <a:endParaRPr lang="ko-KR" altLang="en-US" sz="1500" dirty="0"/>
+          </a:p>
+        </p:txBody>
+      </p:sp>
+      <p:sp>
+        <p:nvSpPr>
+          <p:cNvPr id="33" name="TextBox 32">
+            <a:extLst>
+              <a:ext uri="{FF2B5EF4-FFF2-40B4-BE49-F238E27FC236}">
+                <a16:creationId xmlns:a16="http://schemas.microsoft.com/office/drawing/2014/main" id="{B8CDD306-0F15-6389-79EB-B632FCEBFD42}"/>
+              </a:ext>
+            </a:extLst>
+          </p:cNvPr>
+          <p:cNvSpPr txBox="1"/>
+          <p:nvPr/>
+        </p:nvSpPr>
+        <p:spPr>
+          <a:xfrm>
+            <a:off x="3534435" y="5887044"/>
+            <a:ext cx="572593" cy="492443"/>
+          </a:xfrm>
+          <a:prstGeom prst="rect">
+            <a:avLst/>
+          </a:prstGeom>
+          <a:noFill/>
+        </p:spPr>
+        <p:txBody>
+          <a:bodyPr wrap="none" rtlCol="0">
+            <a:spAutoFit/>
+          </a:bodyPr>
+          <a:lstStyle/>
+          <a:p>
+            <a:r>
+              <a:rPr lang="en-US" altLang="ko-KR" sz="2600" b="1" dirty="0">
+                <a:solidFill>
+                  <a:srgbClr val="FF0000"/>
+                </a:solidFill>
+              </a:rPr>
+              <a:t>12</a:t>
+            </a:r>
+            <a:endParaRPr lang="ko-KR" altLang="en-US" sz="2600" b="1" dirty="0">
+              <a:solidFill>
+                <a:srgbClr val="FF0000"/>
+              </a:solidFill>
+            </a:endParaRPr>
+          </a:p>
+        </p:txBody>
+      </p:sp>
+      <p:sp>
+        <p:nvSpPr>
+          <p:cNvPr id="34" name="TextBox 33">
+            <a:extLst>
+              <a:ext uri="{FF2B5EF4-FFF2-40B4-BE49-F238E27FC236}">
+                <a16:creationId xmlns:a16="http://schemas.microsoft.com/office/drawing/2014/main" id="{FDEB3F16-79B8-1C5A-06AA-9969B2FBF994}"/>
+              </a:ext>
+            </a:extLst>
+          </p:cNvPr>
+          <p:cNvSpPr txBox="1"/>
+          <p:nvPr/>
+        </p:nvSpPr>
+        <p:spPr>
+          <a:xfrm>
+            <a:off x="8126762" y="5888605"/>
+            <a:ext cx="572593" cy="492443"/>
+          </a:xfrm>
+          <a:prstGeom prst="rect">
+            <a:avLst/>
+          </a:prstGeom>
+          <a:noFill/>
+        </p:spPr>
+        <p:txBody>
+          <a:bodyPr wrap="none" rtlCol="0">
+            <a:spAutoFit/>
+          </a:bodyPr>
+          <a:lstStyle/>
+          <a:p>
+            <a:r>
+              <a:rPr lang="en-US" altLang="ko-KR" sz="2600" b="1" dirty="0">
+                <a:solidFill>
+                  <a:srgbClr val="FF0000"/>
+                </a:solidFill>
+              </a:rPr>
+              <a:t>12</a:t>
+            </a:r>
+            <a:endParaRPr lang="ko-KR" altLang="en-US" sz="2600" b="1" dirty="0">
+              <a:solidFill>
+                <a:srgbClr val="FF0000"/>
+              </a:solidFill>
+            </a:endParaRPr>
+          </a:p>
+        </p:txBody>
+      </p:sp>
     </p:spTree>
     <p:extLst>
       <p:ext uri="{BB962C8B-B14F-4D97-AF65-F5344CB8AC3E}">
@@ -6513,74 +6750,6 @@
       </p:sp>
       <p:sp>
         <p:nvSpPr>
-          <p:cNvPr id="8" name="TextBox 7">
-            <a:extLst>
-              <a:ext uri="{FF2B5EF4-FFF2-40B4-BE49-F238E27FC236}">
-                <a16:creationId xmlns:a16="http://schemas.microsoft.com/office/drawing/2014/main" id="{57FB1999-B22A-C54E-91F7-9D68E4E67E42}"/>
-              </a:ext>
-            </a:extLst>
-          </p:cNvPr>
-          <p:cNvSpPr txBox="1"/>
-          <p:nvPr/>
-        </p:nvSpPr>
-        <p:spPr>
-          <a:xfrm>
-            <a:off x="2385691" y="2481941"/>
-            <a:ext cx="2287806" cy="1754326"/>
-          </a:xfrm>
-          <a:prstGeom prst="rect">
-            <a:avLst/>
-          </a:prstGeom>
-          <a:noFill/>
-        </p:spPr>
-        <p:txBody>
-          <a:bodyPr wrap="none" rtlCol="0">
-            <a:spAutoFit/>
-          </a:bodyPr>
-          <a:lstStyle/>
-          <a:p>
-            <a:r>
-              <a:rPr lang="ko-KR" altLang="en-US" dirty="0"/>
-              <a:t>원거리형 함선은 </a:t>
-            </a:r>
-            <a:r>
-              <a:rPr lang="en-US" altLang="ko-KR" dirty="0"/>
-              <a:t>~~</a:t>
-            </a:r>
-          </a:p>
-          <a:p>
-            <a:endParaRPr lang="en-US" altLang="ko-KR" dirty="0"/>
-          </a:p>
-          <a:p>
-            <a:r>
-              <a:rPr lang="ko-KR" altLang="en-US" dirty="0"/>
-              <a:t>원거리형 무기는 </a:t>
-            </a:r>
-            <a:r>
-              <a:rPr lang="en-US" altLang="ko-KR" dirty="0"/>
-              <a:t>~~</a:t>
-            </a:r>
-          </a:p>
-          <a:p>
-            <a:endParaRPr lang="en-US" altLang="ko-KR" dirty="0"/>
-          </a:p>
-          <a:p>
-            <a:r>
-              <a:rPr lang="ko-KR" altLang="en-US" dirty="0"/>
-              <a:t>원거리형 스킬은 </a:t>
-            </a:r>
-            <a:r>
-              <a:rPr lang="en-US" altLang="ko-KR" dirty="0"/>
-              <a:t>~~</a:t>
-            </a:r>
-          </a:p>
-          <a:p>
-            <a:endParaRPr lang="en-US" altLang="ko-KR" dirty="0"/>
-          </a:p>
-        </p:txBody>
-      </p:sp>
-      <p:sp>
-        <p:nvSpPr>
           <p:cNvPr id="9" name="직사각형 8">
             <a:extLst>
               <a:ext uri="{FF2B5EF4-FFF2-40B4-BE49-F238E27FC236}">
@@ -6645,8 +6814,8 @@
         </p:nvSpPr>
         <p:spPr>
           <a:xfrm>
-            <a:off x="2255062" y="2337564"/>
-            <a:ext cx="7617708" cy="3499471"/>
+            <a:off x="2255062" y="2337565"/>
+            <a:ext cx="7617708" cy="3251963"/>
           </a:xfrm>
           <a:prstGeom prst="rect">
             <a:avLst/>
@@ -6851,6 +7020,726 @@
           </a:p>
         </p:txBody>
       </p:sp>
+      <p:grpSp>
+        <p:nvGrpSpPr>
+          <p:cNvPr id="18" name="그룹 17">
+            <a:extLst>
+              <a:ext uri="{FF2B5EF4-FFF2-40B4-BE49-F238E27FC236}">
+                <a16:creationId xmlns:a16="http://schemas.microsoft.com/office/drawing/2014/main" id="{92E91387-4E4D-CF2C-1A29-CC600EFEA850}"/>
+              </a:ext>
+            </a:extLst>
+          </p:cNvPr>
+          <p:cNvGrpSpPr/>
+          <p:nvPr/>
+        </p:nvGrpSpPr>
+        <p:grpSpPr>
+          <a:xfrm>
+            <a:off x="2460489" y="2499054"/>
+            <a:ext cx="1499619" cy="411272"/>
+            <a:chOff x="2385691" y="2486857"/>
+            <a:chExt cx="1499619" cy="411272"/>
+          </a:xfrm>
+        </p:grpSpPr>
+        <p:sp>
+          <p:nvSpPr>
+            <p:cNvPr id="4" name="직사각형 3">
+              <a:extLst>
+                <a:ext uri="{FF2B5EF4-FFF2-40B4-BE49-F238E27FC236}">
+                  <a16:creationId xmlns:a16="http://schemas.microsoft.com/office/drawing/2014/main" id="{9DF641CB-224F-B52A-725C-ADE7FF6ABC0C}"/>
+                </a:ext>
+              </a:extLst>
+            </p:cNvPr>
+            <p:cNvSpPr/>
+            <p:nvPr/>
+          </p:nvSpPr>
+          <p:spPr>
+            <a:xfrm>
+              <a:off x="2385691" y="2502571"/>
+              <a:ext cx="419386" cy="395558"/>
+            </a:xfrm>
+            <a:prstGeom prst="rect">
+              <a:avLst/>
+            </a:prstGeom>
+            <a:solidFill>
+              <a:schemeClr val="bg1"/>
+            </a:solidFill>
+          </p:spPr>
+          <p:style>
+            <a:lnRef idx="2">
+              <a:schemeClr val="accent1">
+                <a:shade val="15000"/>
+              </a:schemeClr>
+            </a:lnRef>
+            <a:fillRef idx="1">
+              <a:schemeClr val="accent1"/>
+            </a:fillRef>
+            <a:effectRef idx="0">
+              <a:schemeClr val="accent1"/>
+            </a:effectRef>
+            <a:fontRef idx="minor">
+              <a:schemeClr val="lt1"/>
+            </a:fontRef>
+          </p:style>
+          <p:txBody>
+            <a:bodyPr rtlCol="0" anchor="ctr"/>
+            <a:lstStyle/>
+            <a:p>
+              <a:pPr algn="ctr"/>
+              <a:endParaRPr lang="ko-KR" altLang="en-US"/>
+            </a:p>
+          </p:txBody>
+        </p:sp>
+        <p:sp>
+          <p:nvSpPr>
+            <p:cNvPr id="17" name="TextBox 16">
+              <a:extLst>
+                <a:ext uri="{FF2B5EF4-FFF2-40B4-BE49-F238E27FC236}">
+                  <a16:creationId xmlns:a16="http://schemas.microsoft.com/office/drawing/2014/main" id="{71CE1008-A13A-A147-A59D-53E16CF60222}"/>
+                </a:ext>
+              </a:extLst>
+            </p:cNvPr>
+            <p:cNvSpPr txBox="1"/>
+            <p:nvPr/>
+          </p:nvSpPr>
+          <p:spPr>
+            <a:xfrm>
+              <a:off x="2860671" y="2486857"/>
+              <a:ext cx="1024639" cy="400110"/>
+            </a:xfrm>
+            <a:prstGeom prst="rect">
+              <a:avLst/>
+            </a:prstGeom>
+            <a:noFill/>
+          </p:spPr>
+          <p:txBody>
+            <a:bodyPr wrap="none" rtlCol="0">
+              <a:spAutoFit/>
+            </a:bodyPr>
+            <a:lstStyle/>
+            <a:p>
+              <a:r>
+                <a:rPr lang="en-US" altLang="ko-KR" sz="1000" dirty="0"/>
+                <a:t>1</a:t>
+              </a:r>
+              <a:r>
+                <a:rPr lang="ko-KR" altLang="en-US" sz="1000" dirty="0"/>
+                <a:t>번 무기 이름</a:t>
+              </a:r>
+              <a:endParaRPr lang="en-US" altLang="ko-KR" sz="1000" dirty="0"/>
+            </a:p>
+            <a:p>
+              <a:r>
+                <a:rPr lang="ko-KR" altLang="en-US" sz="1000" dirty="0"/>
+                <a:t>설명 </a:t>
+              </a:r>
+              <a:r>
+                <a:rPr lang="en-US" altLang="ko-KR" sz="1000" dirty="0"/>
+                <a:t>~~~~~~</a:t>
+              </a:r>
+            </a:p>
+          </p:txBody>
+        </p:sp>
+      </p:grpSp>
+      <p:grpSp>
+        <p:nvGrpSpPr>
+          <p:cNvPr id="34" name="그룹 33">
+            <a:extLst>
+              <a:ext uri="{FF2B5EF4-FFF2-40B4-BE49-F238E27FC236}">
+                <a16:creationId xmlns:a16="http://schemas.microsoft.com/office/drawing/2014/main" id="{6AEB968A-6B6C-15BB-8CE3-2AE09B66B5B2}"/>
+              </a:ext>
+            </a:extLst>
+          </p:cNvPr>
+          <p:cNvGrpSpPr/>
+          <p:nvPr/>
+        </p:nvGrpSpPr>
+        <p:grpSpPr>
+          <a:xfrm>
+            <a:off x="2460489" y="2999224"/>
+            <a:ext cx="1499619" cy="411272"/>
+            <a:chOff x="2385691" y="2486857"/>
+            <a:chExt cx="1499619" cy="411272"/>
+          </a:xfrm>
+        </p:grpSpPr>
+        <p:sp>
+          <p:nvSpPr>
+            <p:cNvPr id="35" name="직사각형 34">
+              <a:extLst>
+                <a:ext uri="{FF2B5EF4-FFF2-40B4-BE49-F238E27FC236}">
+                  <a16:creationId xmlns:a16="http://schemas.microsoft.com/office/drawing/2014/main" id="{D0516315-AE69-2EFF-6134-AC8EDCDC32AE}"/>
+                </a:ext>
+              </a:extLst>
+            </p:cNvPr>
+            <p:cNvSpPr/>
+            <p:nvPr/>
+          </p:nvSpPr>
+          <p:spPr>
+            <a:xfrm>
+              <a:off x="2385691" y="2502571"/>
+              <a:ext cx="419386" cy="395558"/>
+            </a:xfrm>
+            <a:prstGeom prst="rect">
+              <a:avLst/>
+            </a:prstGeom>
+            <a:solidFill>
+              <a:schemeClr val="bg1"/>
+            </a:solidFill>
+          </p:spPr>
+          <p:style>
+            <a:lnRef idx="2">
+              <a:schemeClr val="accent1">
+                <a:shade val="15000"/>
+              </a:schemeClr>
+            </a:lnRef>
+            <a:fillRef idx="1">
+              <a:schemeClr val="accent1"/>
+            </a:fillRef>
+            <a:effectRef idx="0">
+              <a:schemeClr val="accent1"/>
+            </a:effectRef>
+            <a:fontRef idx="minor">
+              <a:schemeClr val="lt1"/>
+            </a:fontRef>
+          </p:style>
+          <p:txBody>
+            <a:bodyPr rtlCol="0" anchor="ctr"/>
+            <a:lstStyle/>
+            <a:p>
+              <a:pPr algn="ctr"/>
+              <a:endParaRPr lang="ko-KR" altLang="en-US"/>
+            </a:p>
+          </p:txBody>
+        </p:sp>
+        <p:sp>
+          <p:nvSpPr>
+            <p:cNvPr id="36" name="TextBox 35">
+              <a:extLst>
+                <a:ext uri="{FF2B5EF4-FFF2-40B4-BE49-F238E27FC236}">
+                  <a16:creationId xmlns:a16="http://schemas.microsoft.com/office/drawing/2014/main" id="{DE2ED29A-48F8-4FDB-0865-124643A344A5}"/>
+                </a:ext>
+              </a:extLst>
+            </p:cNvPr>
+            <p:cNvSpPr txBox="1"/>
+            <p:nvPr/>
+          </p:nvSpPr>
+          <p:spPr>
+            <a:xfrm>
+              <a:off x="2860671" y="2486857"/>
+              <a:ext cx="1024639" cy="400110"/>
+            </a:xfrm>
+            <a:prstGeom prst="rect">
+              <a:avLst/>
+            </a:prstGeom>
+            <a:noFill/>
+          </p:spPr>
+          <p:txBody>
+            <a:bodyPr wrap="none" rtlCol="0">
+              <a:spAutoFit/>
+            </a:bodyPr>
+            <a:lstStyle/>
+            <a:p>
+              <a:r>
+                <a:rPr lang="en-US" altLang="ko-KR" sz="1000" dirty="0"/>
+                <a:t>2</a:t>
+              </a:r>
+              <a:r>
+                <a:rPr lang="ko-KR" altLang="en-US" sz="1000" dirty="0"/>
+                <a:t>번 무기 이름</a:t>
+              </a:r>
+              <a:endParaRPr lang="en-US" altLang="ko-KR" sz="1000" dirty="0"/>
+            </a:p>
+            <a:p>
+              <a:r>
+                <a:rPr lang="ko-KR" altLang="en-US" sz="1000" dirty="0"/>
+                <a:t>설명 </a:t>
+              </a:r>
+              <a:r>
+                <a:rPr lang="en-US" altLang="ko-KR" sz="1000" dirty="0"/>
+                <a:t>~~~~~~</a:t>
+              </a:r>
+            </a:p>
+          </p:txBody>
+        </p:sp>
+      </p:grpSp>
+      <p:grpSp>
+        <p:nvGrpSpPr>
+          <p:cNvPr id="37" name="그룹 36">
+            <a:extLst>
+              <a:ext uri="{FF2B5EF4-FFF2-40B4-BE49-F238E27FC236}">
+                <a16:creationId xmlns:a16="http://schemas.microsoft.com/office/drawing/2014/main" id="{23780667-4871-DBB8-A683-09E057339C1B}"/>
+              </a:ext>
+            </a:extLst>
+          </p:cNvPr>
+          <p:cNvGrpSpPr/>
+          <p:nvPr/>
+        </p:nvGrpSpPr>
+        <p:grpSpPr>
+          <a:xfrm>
+            <a:off x="2460489" y="3510354"/>
+            <a:ext cx="1499619" cy="411272"/>
+            <a:chOff x="2385691" y="2486857"/>
+            <a:chExt cx="1499619" cy="411272"/>
+          </a:xfrm>
+        </p:grpSpPr>
+        <p:sp>
+          <p:nvSpPr>
+            <p:cNvPr id="38" name="직사각형 37">
+              <a:extLst>
+                <a:ext uri="{FF2B5EF4-FFF2-40B4-BE49-F238E27FC236}">
+                  <a16:creationId xmlns:a16="http://schemas.microsoft.com/office/drawing/2014/main" id="{97469D76-1D65-4CBE-498F-B645484B232C}"/>
+                </a:ext>
+              </a:extLst>
+            </p:cNvPr>
+            <p:cNvSpPr/>
+            <p:nvPr/>
+          </p:nvSpPr>
+          <p:spPr>
+            <a:xfrm>
+              <a:off x="2385691" y="2502571"/>
+              <a:ext cx="419386" cy="395558"/>
+            </a:xfrm>
+            <a:prstGeom prst="rect">
+              <a:avLst/>
+            </a:prstGeom>
+            <a:solidFill>
+              <a:schemeClr val="bg1"/>
+            </a:solidFill>
+          </p:spPr>
+          <p:style>
+            <a:lnRef idx="2">
+              <a:schemeClr val="accent1">
+                <a:shade val="15000"/>
+              </a:schemeClr>
+            </a:lnRef>
+            <a:fillRef idx="1">
+              <a:schemeClr val="accent1"/>
+            </a:fillRef>
+            <a:effectRef idx="0">
+              <a:schemeClr val="accent1"/>
+            </a:effectRef>
+            <a:fontRef idx="minor">
+              <a:schemeClr val="lt1"/>
+            </a:fontRef>
+          </p:style>
+          <p:txBody>
+            <a:bodyPr rtlCol="0" anchor="ctr"/>
+            <a:lstStyle/>
+            <a:p>
+              <a:pPr algn="ctr"/>
+              <a:endParaRPr lang="ko-KR" altLang="en-US"/>
+            </a:p>
+          </p:txBody>
+        </p:sp>
+        <p:sp>
+          <p:nvSpPr>
+            <p:cNvPr id="39" name="TextBox 38">
+              <a:extLst>
+                <a:ext uri="{FF2B5EF4-FFF2-40B4-BE49-F238E27FC236}">
+                  <a16:creationId xmlns:a16="http://schemas.microsoft.com/office/drawing/2014/main" id="{65EFDA7E-3594-447A-027C-8A51FC430889}"/>
+                </a:ext>
+              </a:extLst>
+            </p:cNvPr>
+            <p:cNvSpPr txBox="1"/>
+            <p:nvPr/>
+          </p:nvSpPr>
+          <p:spPr>
+            <a:xfrm>
+              <a:off x="2860671" y="2486857"/>
+              <a:ext cx="1024639" cy="400110"/>
+            </a:xfrm>
+            <a:prstGeom prst="rect">
+              <a:avLst/>
+            </a:prstGeom>
+            <a:noFill/>
+          </p:spPr>
+          <p:txBody>
+            <a:bodyPr wrap="none" rtlCol="0">
+              <a:spAutoFit/>
+            </a:bodyPr>
+            <a:lstStyle/>
+            <a:p>
+              <a:r>
+                <a:rPr lang="en-US" altLang="ko-KR" sz="1000" dirty="0"/>
+                <a:t>3</a:t>
+              </a:r>
+              <a:r>
+                <a:rPr lang="ko-KR" altLang="en-US" sz="1000" dirty="0"/>
+                <a:t>번 무기 이름</a:t>
+              </a:r>
+              <a:endParaRPr lang="en-US" altLang="ko-KR" sz="1000" dirty="0"/>
+            </a:p>
+            <a:p>
+              <a:r>
+                <a:rPr lang="ko-KR" altLang="en-US" sz="1000" dirty="0"/>
+                <a:t>설명 </a:t>
+              </a:r>
+              <a:r>
+                <a:rPr lang="en-US" altLang="ko-KR" sz="1000" dirty="0"/>
+                <a:t>~~~~~~</a:t>
+              </a:r>
+            </a:p>
+          </p:txBody>
+        </p:sp>
+      </p:grpSp>
+      <p:grpSp>
+        <p:nvGrpSpPr>
+          <p:cNvPr id="40" name="그룹 39">
+            <a:extLst>
+              <a:ext uri="{FF2B5EF4-FFF2-40B4-BE49-F238E27FC236}">
+                <a16:creationId xmlns:a16="http://schemas.microsoft.com/office/drawing/2014/main" id="{39D68414-BAA8-2C2B-C8C0-C39EFB99D502}"/>
+              </a:ext>
+            </a:extLst>
+          </p:cNvPr>
+          <p:cNvGrpSpPr/>
+          <p:nvPr/>
+        </p:nvGrpSpPr>
+        <p:grpSpPr>
+          <a:xfrm>
+            <a:off x="2461811" y="4021484"/>
+            <a:ext cx="1499619" cy="411272"/>
+            <a:chOff x="2385691" y="2486857"/>
+            <a:chExt cx="1499619" cy="411272"/>
+          </a:xfrm>
+        </p:grpSpPr>
+        <p:sp>
+          <p:nvSpPr>
+            <p:cNvPr id="41" name="직사각형 40">
+              <a:extLst>
+                <a:ext uri="{FF2B5EF4-FFF2-40B4-BE49-F238E27FC236}">
+                  <a16:creationId xmlns:a16="http://schemas.microsoft.com/office/drawing/2014/main" id="{CA8F67AF-EA78-1B43-4026-375FD8464F79}"/>
+                </a:ext>
+              </a:extLst>
+            </p:cNvPr>
+            <p:cNvSpPr/>
+            <p:nvPr/>
+          </p:nvSpPr>
+          <p:spPr>
+            <a:xfrm>
+              <a:off x="2385691" y="2502571"/>
+              <a:ext cx="419386" cy="395558"/>
+            </a:xfrm>
+            <a:prstGeom prst="rect">
+              <a:avLst/>
+            </a:prstGeom>
+            <a:solidFill>
+              <a:schemeClr val="bg1"/>
+            </a:solidFill>
+          </p:spPr>
+          <p:style>
+            <a:lnRef idx="2">
+              <a:schemeClr val="accent1">
+                <a:shade val="15000"/>
+              </a:schemeClr>
+            </a:lnRef>
+            <a:fillRef idx="1">
+              <a:schemeClr val="accent1"/>
+            </a:fillRef>
+            <a:effectRef idx="0">
+              <a:schemeClr val="accent1"/>
+            </a:effectRef>
+            <a:fontRef idx="minor">
+              <a:schemeClr val="lt1"/>
+            </a:fontRef>
+          </p:style>
+          <p:txBody>
+            <a:bodyPr rtlCol="0" anchor="ctr"/>
+            <a:lstStyle/>
+            <a:p>
+              <a:pPr algn="ctr"/>
+              <a:endParaRPr lang="ko-KR" altLang="en-US"/>
+            </a:p>
+          </p:txBody>
+        </p:sp>
+        <p:sp>
+          <p:nvSpPr>
+            <p:cNvPr id="42" name="TextBox 41">
+              <a:extLst>
+                <a:ext uri="{FF2B5EF4-FFF2-40B4-BE49-F238E27FC236}">
+                  <a16:creationId xmlns:a16="http://schemas.microsoft.com/office/drawing/2014/main" id="{C1C3FE15-1C17-1003-0A1A-0A978AB47456}"/>
+                </a:ext>
+              </a:extLst>
+            </p:cNvPr>
+            <p:cNvSpPr txBox="1"/>
+            <p:nvPr/>
+          </p:nvSpPr>
+          <p:spPr>
+            <a:xfrm>
+              <a:off x="2860671" y="2486857"/>
+              <a:ext cx="1024639" cy="400110"/>
+            </a:xfrm>
+            <a:prstGeom prst="rect">
+              <a:avLst/>
+            </a:prstGeom>
+            <a:noFill/>
+          </p:spPr>
+          <p:txBody>
+            <a:bodyPr wrap="none" rtlCol="0">
+              <a:spAutoFit/>
+            </a:bodyPr>
+            <a:lstStyle/>
+            <a:p>
+              <a:r>
+                <a:rPr lang="en-US" altLang="ko-KR" sz="1000" dirty="0"/>
+                <a:t>4</a:t>
+              </a:r>
+              <a:r>
+                <a:rPr lang="ko-KR" altLang="en-US" sz="1000" dirty="0"/>
+                <a:t>번 무기 이름</a:t>
+              </a:r>
+              <a:endParaRPr lang="en-US" altLang="ko-KR" sz="1000" dirty="0"/>
+            </a:p>
+            <a:p>
+              <a:r>
+                <a:rPr lang="ko-KR" altLang="en-US" sz="1000" dirty="0"/>
+                <a:t>설명 </a:t>
+              </a:r>
+              <a:r>
+                <a:rPr lang="en-US" altLang="ko-KR" sz="1000" dirty="0"/>
+                <a:t>~~~~~~</a:t>
+              </a:r>
+            </a:p>
+          </p:txBody>
+        </p:sp>
+      </p:grpSp>
+      <p:grpSp>
+        <p:nvGrpSpPr>
+          <p:cNvPr id="43" name="그룹 42">
+            <a:extLst>
+              <a:ext uri="{FF2B5EF4-FFF2-40B4-BE49-F238E27FC236}">
+                <a16:creationId xmlns:a16="http://schemas.microsoft.com/office/drawing/2014/main" id="{426A1FC0-B191-6430-54D2-1D689D399F18}"/>
+              </a:ext>
+            </a:extLst>
+          </p:cNvPr>
+          <p:cNvGrpSpPr/>
+          <p:nvPr/>
+        </p:nvGrpSpPr>
+        <p:grpSpPr>
+          <a:xfrm>
+            <a:off x="2460489" y="4534710"/>
+            <a:ext cx="1499619" cy="411272"/>
+            <a:chOff x="2385691" y="2486857"/>
+            <a:chExt cx="1499619" cy="411272"/>
+          </a:xfrm>
+        </p:grpSpPr>
+        <p:sp>
+          <p:nvSpPr>
+            <p:cNvPr id="44" name="직사각형 43">
+              <a:extLst>
+                <a:ext uri="{FF2B5EF4-FFF2-40B4-BE49-F238E27FC236}">
+                  <a16:creationId xmlns:a16="http://schemas.microsoft.com/office/drawing/2014/main" id="{CF6A09DA-6843-0FDC-17C6-1A8331E7548A}"/>
+                </a:ext>
+              </a:extLst>
+            </p:cNvPr>
+            <p:cNvSpPr/>
+            <p:nvPr/>
+          </p:nvSpPr>
+          <p:spPr>
+            <a:xfrm>
+              <a:off x="2385691" y="2502571"/>
+              <a:ext cx="419386" cy="395558"/>
+            </a:xfrm>
+            <a:prstGeom prst="rect">
+              <a:avLst/>
+            </a:prstGeom>
+            <a:solidFill>
+              <a:schemeClr val="bg1"/>
+            </a:solidFill>
+          </p:spPr>
+          <p:style>
+            <a:lnRef idx="2">
+              <a:schemeClr val="accent1">
+                <a:shade val="15000"/>
+              </a:schemeClr>
+            </a:lnRef>
+            <a:fillRef idx="1">
+              <a:schemeClr val="accent1"/>
+            </a:fillRef>
+            <a:effectRef idx="0">
+              <a:schemeClr val="accent1"/>
+            </a:effectRef>
+            <a:fontRef idx="minor">
+              <a:schemeClr val="lt1"/>
+            </a:fontRef>
+          </p:style>
+          <p:txBody>
+            <a:bodyPr rtlCol="0" anchor="ctr"/>
+            <a:lstStyle/>
+            <a:p>
+              <a:pPr algn="ctr"/>
+              <a:endParaRPr lang="ko-KR" altLang="en-US"/>
+            </a:p>
+          </p:txBody>
+        </p:sp>
+        <p:sp>
+          <p:nvSpPr>
+            <p:cNvPr id="45" name="TextBox 44">
+              <a:extLst>
+                <a:ext uri="{FF2B5EF4-FFF2-40B4-BE49-F238E27FC236}">
+                  <a16:creationId xmlns:a16="http://schemas.microsoft.com/office/drawing/2014/main" id="{61C93F78-3C30-F9EE-B45A-EF095043380F}"/>
+                </a:ext>
+              </a:extLst>
+            </p:cNvPr>
+            <p:cNvSpPr txBox="1"/>
+            <p:nvPr/>
+          </p:nvSpPr>
+          <p:spPr>
+            <a:xfrm>
+              <a:off x="2860671" y="2486857"/>
+              <a:ext cx="1024639" cy="400110"/>
+            </a:xfrm>
+            <a:prstGeom prst="rect">
+              <a:avLst/>
+            </a:prstGeom>
+            <a:noFill/>
+          </p:spPr>
+          <p:txBody>
+            <a:bodyPr wrap="none" rtlCol="0">
+              <a:spAutoFit/>
+            </a:bodyPr>
+            <a:lstStyle/>
+            <a:p>
+              <a:r>
+                <a:rPr lang="en-US" altLang="ko-KR" sz="1000" dirty="0"/>
+                <a:t>Q</a:t>
+              </a:r>
+              <a:r>
+                <a:rPr lang="ko-KR" altLang="en-US" sz="1000" dirty="0"/>
+                <a:t> 스킬 이름</a:t>
+              </a:r>
+              <a:endParaRPr lang="en-US" altLang="ko-KR" sz="1000" dirty="0"/>
+            </a:p>
+            <a:p>
+              <a:r>
+                <a:rPr lang="ko-KR" altLang="en-US" sz="1000" dirty="0"/>
+                <a:t>설명 </a:t>
+              </a:r>
+              <a:r>
+                <a:rPr lang="en-US" altLang="ko-KR" sz="1000" dirty="0"/>
+                <a:t>~~~~~~</a:t>
+              </a:r>
+            </a:p>
+          </p:txBody>
+        </p:sp>
+      </p:grpSp>
+      <p:grpSp>
+        <p:nvGrpSpPr>
+          <p:cNvPr id="46" name="그룹 45">
+            <a:extLst>
+              <a:ext uri="{FF2B5EF4-FFF2-40B4-BE49-F238E27FC236}">
+                <a16:creationId xmlns:a16="http://schemas.microsoft.com/office/drawing/2014/main" id="{2ED7A9CC-BAE1-AFEB-7A23-4C2FC7A1A734}"/>
+              </a:ext>
+            </a:extLst>
+          </p:cNvPr>
+          <p:cNvGrpSpPr/>
+          <p:nvPr/>
+        </p:nvGrpSpPr>
+        <p:grpSpPr>
+          <a:xfrm>
+            <a:off x="2453378" y="5043744"/>
+            <a:ext cx="1499619" cy="411272"/>
+            <a:chOff x="2385691" y="2486857"/>
+            <a:chExt cx="1499619" cy="411272"/>
+          </a:xfrm>
+        </p:grpSpPr>
+        <p:sp>
+          <p:nvSpPr>
+            <p:cNvPr id="47" name="직사각형 46">
+              <a:extLst>
+                <a:ext uri="{FF2B5EF4-FFF2-40B4-BE49-F238E27FC236}">
+                  <a16:creationId xmlns:a16="http://schemas.microsoft.com/office/drawing/2014/main" id="{4877BB4E-640E-F3D5-604E-0A58D317100D}"/>
+                </a:ext>
+              </a:extLst>
+            </p:cNvPr>
+            <p:cNvSpPr/>
+            <p:nvPr/>
+          </p:nvSpPr>
+          <p:spPr>
+            <a:xfrm>
+              <a:off x="2385691" y="2502571"/>
+              <a:ext cx="419386" cy="395558"/>
+            </a:xfrm>
+            <a:prstGeom prst="rect">
+              <a:avLst/>
+            </a:prstGeom>
+            <a:solidFill>
+              <a:schemeClr val="bg1"/>
+            </a:solidFill>
+          </p:spPr>
+          <p:style>
+            <a:lnRef idx="2">
+              <a:schemeClr val="accent1">
+                <a:shade val="15000"/>
+              </a:schemeClr>
+            </a:lnRef>
+            <a:fillRef idx="1">
+              <a:schemeClr val="accent1"/>
+            </a:fillRef>
+            <a:effectRef idx="0">
+              <a:schemeClr val="accent1"/>
+            </a:effectRef>
+            <a:fontRef idx="minor">
+              <a:schemeClr val="lt1"/>
+            </a:fontRef>
+          </p:style>
+          <p:txBody>
+            <a:bodyPr rtlCol="0" anchor="ctr"/>
+            <a:lstStyle/>
+            <a:p>
+              <a:pPr algn="ctr"/>
+              <a:endParaRPr lang="ko-KR" altLang="en-US"/>
+            </a:p>
+          </p:txBody>
+        </p:sp>
+        <p:sp>
+          <p:nvSpPr>
+            <p:cNvPr id="48" name="TextBox 47">
+              <a:extLst>
+                <a:ext uri="{FF2B5EF4-FFF2-40B4-BE49-F238E27FC236}">
+                  <a16:creationId xmlns:a16="http://schemas.microsoft.com/office/drawing/2014/main" id="{D2889905-16D5-2672-D7C0-17B3D0B7889E}"/>
+                </a:ext>
+              </a:extLst>
+            </p:cNvPr>
+            <p:cNvSpPr txBox="1"/>
+            <p:nvPr/>
+          </p:nvSpPr>
+          <p:spPr>
+            <a:xfrm>
+              <a:off x="2860671" y="2486857"/>
+              <a:ext cx="1024639" cy="400110"/>
+            </a:xfrm>
+            <a:prstGeom prst="rect">
+              <a:avLst/>
+            </a:prstGeom>
+            <a:noFill/>
+          </p:spPr>
+          <p:txBody>
+            <a:bodyPr wrap="none" rtlCol="0">
+              <a:spAutoFit/>
+            </a:bodyPr>
+            <a:lstStyle/>
+            <a:p>
+              <a:r>
+                <a:rPr lang="en-US" altLang="ko-KR" sz="1000" dirty="0"/>
+                <a:t>E </a:t>
+              </a:r>
+              <a:r>
+                <a:rPr lang="ko-KR" altLang="en-US" sz="1000" dirty="0"/>
+                <a:t>스킬 이름</a:t>
+              </a:r>
+              <a:endParaRPr lang="en-US" altLang="ko-KR" sz="1000" dirty="0"/>
+            </a:p>
+            <a:p>
+              <a:r>
+                <a:rPr lang="ko-KR" altLang="en-US" sz="1000" dirty="0"/>
+                <a:t>설명 </a:t>
+              </a:r>
+              <a:r>
+                <a:rPr lang="en-US" altLang="ko-KR" sz="1000" dirty="0"/>
+                <a:t>~~~~~~</a:t>
+              </a:r>
+            </a:p>
+          </p:txBody>
+        </p:sp>
+      </p:grpSp>
     </p:spTree>
     <p:extLst>
       <p:ext uri="{BB962C8B-B14F-4D97-AF65-F5344CB8AC3E}">
